--- a/javaSlides/JavaIntro.pptx
+++ b/javaSlides/JavaIntro.pptx
@@ -5,10 +5,10 @@
     <p:sldMasterId id="2147483672" r:id="rId1"/>
   </p:sldMasterIdLst>
   <p:notesMasterIdLst>
-    <p:notesMasterId r:id="rId12"/>
+    <p:notesMasterId r:id="rId11"/>
   </p:notesMasterIdLst>
   <p:handoutMasterIdLst>
-    <p:handoutMasterId r:id="rId13"/>
+    <p:handoutMasterId r:id="rId12"/>
   </p:handoutMasterIdLst>
   <p:sldIdLst>
     <p:sldId id="256" r:id="rId2"/>
@@ -17,10 +17,9 @@
     <p:sldId id="263" r:id="rId5"/>
     <p:sldId id="266" r:id="rId6"/>
     <p:sldId id="268" r:id="rId7"/>
-    <p:sldId id="269" r:id="rId8"/>
-    <p:sldId id="270" r:id="rId9"/>
-    <p:sldId id="271" r:id="rId10"/>
-    <p:sldId id="260" r:id="rId11"/>
+    <p:sldId id="270" r:id="rId8"/>
+    <p:sldId id="271" r:id="rId9"/>
+    <p:sldId id="260" r:id="rId10"/>
   </p:sldIdLst>
   <p:sldSz cx="12192000" cy="6858000"/>
   <p:notesSz cx="6858000" cy="9144000"/>
@@ -224,7 +223,7 @@
           <a:p>
             <a:fld id="{AF869721-F543-4A6C-BF9D-65D7CC540427}" type="datetimeFigureOut">
               <a:rPr lang="en-US" smtClean="0"/>
-              <a:t>3/19/2023</a:t>
+              <a:t>7/6/2024</a:t>
             </a:fld>
             <a:endParaRPr lang="en-US" dirty="0"/>
           </a:p>
@@ -401,7 +400,7 @@
           <a:p>
             <a:fld id="{C732326A-4C88-4AFB-AA5B-5919D81DFF5B}" type="datetimeFigureOut">
               <a:rPr lang="en-US" smtClean="0"/>
-              <a:t>3/19/2023</a:t>
+              <a:t>7/6/2024</a:t>
             </a:fld>
             <a:endParaRPr lang="en-US" dirty="0"/>
           </a:p>
@@ -817,7 +816,7 @@
           <a:p>
             <a:fld id="{C6B3AB32-59DF-41F1-9618-EDFBF5049629}" type="slidenum">
               <a:rPr lang="en-US" smtClean="0"/>
-              <a:t>10</a:t>
+              <a:t>9</a:t>
             </a:fld>
             <a:endParaRPr lang="en-US" dirty="0"/>
           </a:p>
@@ -1082,7 +1081,7 @@
             <a:fld id="{B61BEF0D-F0BB-DE4B-95CE-6DB70DBA9567}" type="datetimeFigureOut">
               <a:rPr lang="en-US" smtClean="0"/>
               <a:pPr/>
-              <a:t>3/19/2023</a:t>
+              <a:t>7/6/2024</a:t>
             </a:fld>
             <a:endParaRPr lang="en-US" dirty="0"/>
           </a:p>
@@ -1346,7 +1345,7 @@
             <a:fld id="{B61BEF0D-F0BB-DE4B-95CE-6DB70DBA9567}" type="datetimeFigureOut">
               <a:rPr lang="en-US" smtClean="0"/>
               <a:pPr/>
-              <a:t>3/19/2023</a:t>
+              <a:t>7/6/2024</a:t>
             </a:fld>
             <a:endParaRPr lang="en-US" dirty="0"/>
           </a:p>
@@ -1583,7 +1582,7 @@
             <a:fld id="{B61BEF0D-F0BB-DE4B-95CE-6DB70DBA9567}" type="datetimeFigureOut">
               <a:rPr lang="en-US" smtClean="0"/>
               <a:pPr/>
-              <a:t>3/19/2023</a:t>
+              <a:t>7/6/2024</a:t>
             </a:fld>
             <a:endParaRPr lang="en-US" dirty="0"/>
           </a:p>
@@ -1825,7 +1824,7 @@
             <a:fld id="{B61BEF0D-F0BB-DE4B-95CE-6DB70DBA9567}" type="datetimeFigureOut">
               <a:rPr lang="en-US" smtClean="0"/>
               <a:pPr/>
-              <a:t>3/19/2023</a:t>
+              <a:t>7/6/2024</a:t>
             </a:fld>
             <a:endParaRPr lang="en-US" dirty="0"/>
           </a:p>
@@ -2134,7 +2133,7 @@
             <a:fld id="{B61BEF0D-F0BB-DE4B-95CE-6DB70DBA9567}" type="datetimeFigureOut">
               <a:rPr lang="en-US" smtClean="0"/>
               <a:pPr/>
-              <a:t>3/19/2023</a:t>
+              <a:t>7/6/2024</a:t>
             </a:fld>
             <a:endParaRPr lang="en-US" dirty="0"/>
           </a:p>
@@ -2438,7 +2437,7 @@
             <a:fld id="{B61BEF0D-F0BB-DE4B-95CE-6DB70DBA9567}" type="datetimeFigureOut">
               <a:rPr lang="en-US" smtClean="0"/>
               <a:pPr/>
-              <a:t>3/19/2023</a:t>
+              <a:t>7/6/2024</a:t>
             </a:fld>
             <a:endParaRPr lang="en-US" dirty="0"/>
           </a:p>
@@ -2862,7 +2861,7 @@
             <a:fld id="{B61BEF0D-F0BB-DE4B-95CE-6DB70DBA9567}" type="datetimeFigureOut">
               <a:rPr lang="en-US" smtClean="0"/>
               <a:pPr/>
-              <a:t>3/19/2023</a:t>
+              <a:t>7/6/2024</a:t>
             </a:fld>
             <a:endParaRPr lang="en-US" dirty="0"/>
           </a:p>
@@ -2959,7 +2958,7 @@
             <a:fld id="{B61BEF0D-F0BB-DE4B-95CE-6DB70DBA9567}" type="datetimeFigureOut">
               <a:rPr lang="en-US" smtClean="0"/>
               <a:pPr/>
-              <a:t>3/19/2023</a:t>
+              <a:t>7/6/2024</a:t>
             </a:fld>
             <a:endParaRPr lang="en-US" dirty="0"/>
           </a:p>
@@ -3123,7 +3122,7 @@
             <a:fld id="{B61BEF0D-F0BB-DE4B-95CE-6DB70DBA9567}" type="datetimeFigureOut">
               <a:rPr lang="en-US" smtClean="0"/>
               <a:pPr/>
-              <a:t>3/19/2023</a:t>
+              <a:t>7/6/2024</a:t>
             </a:fld>
             <a:endParaRPr lang="en-US" dirty="0"/>
           </a:p>
@@ -3503,7 +3502,7 @@
             <a:fld id="{B61BEF0D-F0BB-DE4B-95CE-6DB70DBA9567}" type="datetimeFigureOut">
               <a:rPr lang="en-US" smtClean="0"/>
               <a:pPr/>
-              <a:t>3/19/2023</a:t>
+              <a:t>7/6/2024</a:t>
             </a:fld>
             <a:endParaRPr lang="en-US" dirty="0"/>
           </a:p>
@@ -3794,7 +3793,7 @@
             <a:fld id="{B61BEF0D-F0BB-DE4B-95CE-6DB70DBA9567}" type="datetimeFigureOut">
               <a:rPr lang="en-US" smtClean="0"/>
               <a:pPr/>
-              <a:t>3/19/2023</a:t>
+              <a:t>7/6/2024</a:t>
             </a:fld>
             <a:endParaRPr lang="en-US" dirty="0"/>
           </a:p>
@@ -4007,7 +4006,7 @@
             <a:fld id="{B61BEF0D-F0BB-DE4B-95CE-6DB70DBA9567}" type="datetimeFigureOut">
               <a:rPr lang="en-US" smtClean="0"/>
               <a:pPr/>
-              <a:t>3/19/2023</a:t>
+              <a:t>7/6/2024</a:t>
             </a:fld>
             <a:endParaRPr lang="en-US" dirty="0"/>
           </a:p>
@@ -5050,462 +5049,6 @@
 </p:sld>
 </file>
 
-<file path=ppt/slides/slide10.xml><?xml version="1.0" encoding="utf-8"?>
-<p:sld xmlns:a="http://schemas.openxmlformats.org/drawingml/2006/main" xmlns:r="http://schemas.openxmlformats.org/officeDocument/2006/relationships" xmlns:p="http://schemas.openxmlformats.org/presentationml/2006/main">
-  <p:cSld>
-    <p:bg>
-      <p:bgPr>
-        <a:solidFill>
-          <a:schemeClr val="bg1"/>
-        </a:solidFill>
-        <a:effectLst/>
-      </p:bgPr>
-    </p:bg>
-    <p:spTree>
-      <p:nvGrpSpPr>
-        <p:cNvPr id="1" name=""/>
-        <p:cNvGrpSpPr/>
-        <p:nvPr/>
-      </p:nvGrpSpPr>
-      <p:grpSpPr>
-        <a:xfrm>
-          <a:off x="0" y="0"/>
-          <a:ext cx="0" cy="0"/>
-          <a:chOff x="0" y="0"/>
-          <a:chExt cx="0" cy="0"/>
-        </a:xfrm>
-      </p:grpSpPr>
-      <p:sp useBgFill="1">
-        <p:nvSpPr>
-          <p:cNvPr id="10" name="Rectangle 9">
-            <a:extLst>
-              <a:ext uri="{FF2B5EF4-FFF2-40B4-BE49-F238E27FC236}">
-                <a16:creationId xmlns:a16="http://schemas.microsoft.com/office/drawing/2014/main" id="{379F11E2-8BA5-4C5C-AE7C-361E5EA011FF}"/>
-              </a:ext>
-              <a:ext uri="{C183D7F6-B498-43B3-948B-1728B52AA6E4}">
-                <adec:decorative xmlns:adec="http://schemas.microsoft.com/office/drawing/2017/decorative" val="1"/>
-              </a:ext>
-            </a:extLst>
-          </p:cNvPr>
-          <p:cNvSpPr>
-            <a:spLocks noGrp="1" noRot="1" noChangeAspect="1" noMove="1" noResize="1" noEditPoints="1" noAdjustHandles="1" noChangeArrowheads="1" noChangeShapeType="1" noTextEdit="1"/>
-          </p:cNvSpPr>
-          <p:nvPr>
-            <p:extLst>
-              <p:ext uri="{386F3935-93C4-4BCD-93E2-E3B085C9AB24}">
-                <p16:designElem xmlns:p16="http://schemas.microsoft.com/office/powerpoint/2015/main" val="1"/>
-              </p:ext>
-            </p:extLst>
-          </p:nvPr>
-        </p:nvSpPr>
-        <p:spPr>
-          <a:xfrm>
-            <a:off x="0" y="1"/>
-            <a:ext cx="12191999" cy="6858000"/>
-          </a:xfrm>
-          <a:prstGeom prst="rect">
-            <a:avLst/>
-          </a:prstGeom>
-          <a:ln>
-            <a:noFill/>
-          </a:ln>
-        </p:spPr>
-        <p:style>
-          <a:lnRef idx="2">
-            <a:schemeClr val="accent1">
-              <a:shade val="50000"/>
-            </a:schemeClr>
-          </a:lnRef>
-          <a:fillRef idx="1">
-            <a:schemeClr val="accent1"/>
-          </a:fillRef>
-          <a:effectRef idx="0">
-            <a:schemeClr val="accent1"/>
-          </a:effectRef>
-          <a:fontRef idx="minor">
-            <a:schemeClr val="lt1"/>
-          </a:fontRef>
-        </p:style>
-        <p:txBody>
-          <a:bodyPr rtlCol="0" anchor="ctr"/>
-          <a:lstStyle/>
-          <a:p>
-            <a:pPr algn="ctr"/>
-            <a:endParaRPr lang="en-US" dirty="0"/>
-          </a:p>
-        </p:txBody>
-      </p:sp>
-      <p:sp>
-        <p:nvSpPr>
-          <p:cNvPr id="12" name="Rectangle 11">
-            <a:extLst>
-              <a:ext uri="{FF2B5EF4-FFF2-40B4-BE49-F238E27FC236}">
-                <a16:creationId xmlns:a16="http://schemas.microsoft.com/office/drawing/2014/main" id="{7C00E1DA-EC7C-40FC-95E3-11FDCD2E4291}"/>
-              </a:ext>
-              <a:ext uri="{C183D7F6-B498-43B3-948B-1728B52AA6E4}">
-                <adec:decorative xmlns:adec="http://schemas.microsoft.com/office/drawing/2017/decorative" val="1"/>
-              </a:ext>
-            </a:extLst>
-          </p:cNvPr>
-          <p:cNvSpPr>
-            <a:spLocks noGrp="1" noRot="1" noChangeAspect="1" noMove="1" noResize="1" noEditPoints="1" noAdjustHandles="1" noChangeArrowheads="1" noChangeShapeType="1" noTextEdit="1"/>
-          </p:cNvSpPr>
-          <p:nvPr>
-            <p:extLst>
-              <p:ext uri="{386F3935-93C4-4BCD-93E2-E3B085C9AB24}">
-                <p16:designElem xmlns:p16="http://schemas.microsoft.com/office/powerpoint/2015/main" val="1"/>
-              </p:ext>
-            </p:extLst>
-          </p:nvPr>
-        </p:nvSpPr>
-        <p:spPr>
-          <a:xfrm>
-            <a:off x="8042147" y="723899"/>
-            <a:ext cx="3703320" cy="5666666"/>
-          </a:xfrm>
-          <a:prstGeom prst="rect">
-            <a:avLst/>
-          </a:prstGeom>
-          <a:solidFill>
-            <a:schemeClr val="accent1"/>
-          </a:solidFill>
-          <a:ln>
-            <a:noFill/>
-          </a:ln>
-          <a:effectLst/>
-        </p:spPr>
-        <p:style>
-          <a:lnRef idx="1">
-            <a:schemeClr val="accent1"/>
-          </a:lnRef>
-          <a:fillRef idx="3">
-            <a:schemeClr val="accent1"/>
-          </a:fillRef>
-          <a:effectRef idx="2">
-            <a:schemeClr val="accent1"/>
-          </a:effectRef>
-          <a:fontRef idx="minor">
-            <a:schemeClr val="lt1"/>
-          </a:fontRef>
-        </p:style>
-      </p:sp>
-      <p:grpSp>
-        <p:nvGrpSpPr>
-          <p:cNvPr id="14" name="Group 13">
-            <a:extLst>
-              <a:ext uri="{FF2B5EF4-FFF2-40B4-BE49-F238E27FC236}">
-                <a16:creationId xmlns:a16="http://schemas.microsoft.com/office/drawing/2014/main" id="{9A421166-2996-41A7-B094-AE5316F347DD}"/>
-              </a:ext>
-              <a:ext uri="{C183D7F6-B498-43B3-948B-1728B52AA6E4}">
-                <adec:decorative xmlns:adec="http://schemas.microsoft.com/office/drawing/2017/decorative" val="1"/>
-              </a:ext>
-            </a:extLst>
-          </p:cNvPr>
-          <p:cNvGrpSpPr>
-            <a:grpSpLocks noGrp="1" noUngrp="1" noRot="1" noChangeAspect="1" noMove="1" noResize="1"/>
-          </p:cNvGrpSpPr>
-          <p:nvPr>
-            <p:extLst>
-              <p:ext uri="{386F3935-93C4-4BCD-93E2-E3B085C9AB24}">
-                <p16:designElem xmlns:p16="http://schemas.microsoft.com/office/powerpoint/2015/main" val="1"/>
-              </p:ext>
-            </p:extLst>
-          </p:nvPr>
-        </p:nvGrpSpPr>
-        <p:grpSpPr>
-          <a:xfrm>
-            <a:off x="446534" y="453643"/>
-            <a:ext cx="11298933" cy="98554"/>
-            <a:chOff x="446534" y="453643"/>
-            <a:chExt cx="11298933" cy="98554"/>
-          </a:xfrm>
-        </p:grpSpPr>
-        <p:sp>
-          <p:nvSpPr>
-            <p:cNvPr id="15" name="Rectangle 14">
-              <a:extLst>
-                <a:ext uri="{FF2B5EF4-FFF2-40B4-BE49-F238E27FC236}">
-                  <a16:creationId xmlns:a16="http://schemas.microsoft.com/office/drawing/2014/main" id="{FDBB1B92-A3EB-43E4-8FAB-D20E8ED14CEF}"/>
-                </a:ext>
-                <a:ext uri="{C183D7F6-B498-43B3-948B-1728B52AA6E4}">
-                  <adec:decorative xmlns:adec="http://schemas.microsoft.com/office/drawing/2017/decorative" val="1"/>
-                </a:ext>
-              </a:extLst>
-            </p:cNvPr>
-            <p:cNvSpPr/>
-            <p:nvPr>
-              <p:extLst>
-                <p:ext uri="{386F3935-93C4-4BCD-93E2-E3B085C9AB24}">
-                  <p16:designElem xmlns:p16="http://schemas.microsoft.com/office/powerpoint/2015/main" val="1"/>
-                </p:ext>
-              </p:extLst>
-            </p:nvPr>
-          </p:nvSpPr>
-          <p:spPr>
-            <a:xfrm>
-              <a:off x="446534" y="457200"/>
-              <a:ext cx="3703320" cy="94997"/>
-            </a:xfrm>
-            <a:prstGeom prst="rect">
-              <a:avLst/>
-            </a:prstGeom>
-            <a:solidFill>
-              <a:schemeClr val="accent1"/>
-            </a:solidFill>
-            <a:ln>
-              <a:noFill/>
-            </a:ln>
-            <a:effectLst/>
-          </p:spPr>
-          <p:style>
-            <a:lnRef idx="1">
-              <a:schemeClr val="accent1"/>
-            </a:lnRef>
-            <a:fillRef idx="3">
-              <a:schemeClr val="accent1"/>
-            </a:fillRef>
-            <a:effectRef idx="2">
-              <a:schemeClr val="accent1"/>
-            </a:effectRef>
-            <a:fontRef idx="minor">
-              <a:schemeClr val="lt1"/>
-            </a:fontRef>
-          </p:style>
-        </p:sp>
-        <p:sp>
-          <p:nvSpPr>
-            <p:cNvPr id="16" name="Rectangle 15">
-              <a:extLst>
-                <a:ext uri="{FF2B5EF4-FFF2-40B4-BE49-F238E27FC236}">
-                  <a16:creationId xmlns:a16="http://schemas.microsoft.com/office/drawing/2014/main" id="{3F3972F4-FE7E-48EA-AAD8-9BE5750A6672}"/>
-                </a:ext>
-                <a:ext uri="{C183D7F6-B498-43B3-948B-1728B52AA6E4}">
-                  <adec:decorative xmlns:adec="http://schemas.microsoft.com/office/drawing/2017/decorative" val="1"/>
-                </a:ext>
-              </a:extLst>
-            </p:cNvPr>
-            <p:cNvSpPr/>
-            <p:nvPr>
-              <p:extLst>
-                <p:ext uri="{386F3935-93C4-4BCD-93E2-E3B085C9AB24}">
-                  <p16:designElem xmlns:p16="http://schemas.microsoft.com/office/powerpoint/2015/main" val="1"/>
-                </p:ext>
-              </p:extLst>
-            </p:nvPr>
-          </p:nvSpPr>
-          <p:spPr>
-            <a:xfrm>
-              <a:off x="8042147" y="453643"/>
-              <a:ext cx="3703320" cy="98554"/>
-            </a:xfrm>
-            <a:prstGeom prst="rect">
-              <a:avLst/>
-            </a:prstGeom>
-            <a:solidFill>
-              <a:schemeClr val="accent4"/>
-            </a:solidFill>
-            <a:ln>
-              <a:noFill/>
-            </a:ln>
-            <a:effectLst/>
-          </p:spPr>
-          <p:style>
-            <a:lnRef idx="1">
-              <a:schemeClr val="accent1"/>
-            </a:lnRef>
-            <a:fillRef idx="3">
-              <a:schemeClr val="accent1"/>
-            </a:fillRef>
-            <a:effectRef idx="2">
-              <a:schemeClr val="accent1"/>
-            </a:effectRef>
-            <a:fontRef idx="minor">
-              <a:schemeClr val="lt1"/>
-            </a:fontRef>
-          </p:style>
-        </p:sp>
-        <p:sp>
-          <p:nvSpPr>
-            <p:cNvPr id="17" name="Rectangle 16">
-              <a:extLst>
-                <a:ext uri="{FF2B5EF4-FFF2-40B4-BE49-F238E27FC236}">
-                  <a16:creationId xmlns:a16="http://schemas.microsoft.com/office/drawing/2014/main" id="{221614E5-870B-4D5E-A43B-8FF7E5323484}"/>
-                </a:ext>
-                <a:ext uri="{C183D7F6-B498-43B3-948B-1728B52AA6E4}">
-                  <adec:decorative xmlns:adec="http://schemas.microsoft.com/office/drawing/2017/decorative" val="1"/>
-                </a:ext>
-              </a:extLst>
-            </p:cNvPr>
-            <p:cNvSpPr/>
-            <p:nvPr>
-              <p:extLst>
-                <p:ext uri="{386F3935-93C4-4BCD-93E2-E3B085C9AB24}">
-                  <p16:designElem xmlns:p16="http://schemas.microsoft.com/office/powerpoint/2015/main" val="1"/>
-                </p:ext>
-              </p:extLst>
-            </p:nvPr>
-          </p:nvSpPr>
-          <p:spPr>
-            <a:xfrm>
-              <a:off x="4241830" y="457200"/>
-              <a:ext cx="3703320" cy="91440"/>
-            </a:xfrm>
-            <a:prstGeom prst="rect">
-              <a:avLst/>
-            </a:prstGeom>
-            <a:solidFill>
-              <a:schemeClr val="accent2"/>
-            </a:solidFill>
-            <a:ln>
-              <a:noFill/>
-            </a:ln>
-            <a:effectLst/>
-          </p:spPr>
-          <p:style>
-            <a:lnRef idx="1">
-              <a:schemeClr val="accent1"/>
-            </a:lnRef>
-            <a:fillRef idx="3">
-              <a:schemeClr val="accent1"/>
-            </a:fillRef>
-            <a:effectRef idx="2">
-              <a:schemeClr val="accent1"/>
-            </a:effectRef>
-            <a:fontRef idx="minor">
-              <a:schemeClr val="lt1"/>
-            </a:fontRef>
-          </p:style>
-        </p:sp>
-      </p:grpSp>
-      <p:sp>
-        <p:nvSpPr>
-          <p:cNvPr id="2" name="Title 1">
-            <a:extLst>
-              <a:ext uri="{FF2B5EF4-FFF2-40B4-BE49-F238E27FC236}">
-                <a16:creationId xmlns:a16="http://schemas.microsoft.com/office/drawing/2014/main" id="{0F87E73C-2B1A-4602-BFBE-CFE1E55D9B38}"/>
-              </a:ext>
-            </a:extLst>
-          </p:cNvPr>
-          <p:cNvSpPr>
-            <a:spLocks noGrp="1"/>
-          </p:cNvSpPr>
-          <p:nvPr>
-            <p:ph type="ctrTitle"/>
-          </p:nvPr>
-        </p:nvSpPr>
-        <p:spPr>
-          <a:xfrm>
-            <a:off x="8296275" y="1419226"/>
-            <a:ext cx="3081576" cy="1746762"/>
-          </a:xfrm>
-        </p:spPr>
-        <p:txBody>
-          <a:bodyPr>
-            <a:normAutofit/>
-          </a:bodyPr>
-          <a:lstStyle/>
-          <a:p>
-            <a:r>
-              <a:rPr lang="en-US" dirty="0">
-                <a:solidFill>
-                  <a:srgbClr val="FFFFFF"/>
-                </a:solidFill>
-              </a:rPr>
-              <a:t>Thank You</a:t>
-            </a:r>
-          </a:p>
-        </p:txBody>
-      </p:sp>
-      <p:sp>
-        <p:nvSpPr>
-          <p:cNvPr id="3" name="Subtitle 2">
-            <a:extLst>
-              <a:ext uri="{FF2B5EF4-FFF2-40B4-BE49-F238E27FC236}">
-                <a16:creationId xmlns:a16="http://schemas.microsoft.com/office/drawing/2014/main" id="{A9CB511D-EA45-4336-847C-1252667143B5}"/>
-              </a:ext>
-            </a:extLst>
-          </p:cNvPr>
-          <p:cNvSpPr>
-            <a:spLocks noGrp="1"/>
-          </p:cNvSpPr>
-          <p:nvPr>
-            <p:ph type="subTitle" idx="1"/>
-          </p:nvPr>
-        </p:nvSpPr>
-        <p:spPr>
-          <a:xfrm>
-            <a:off x="8174182" y="3505095"/>
-            <a:ext cx="3203669" cy="2629006"/>
-          </a:xfrm>
-        </p:spPr>
-        <p:txBody>
-          <a:bodyPr>
-            <a:normAutofit/>
-          </a:bodyPr>
-          <a:lstStyle/>
-          <a:p>
-            <a:r>
-              <a:rPr lang="en-US" dirty="0">
-                <a:solidFill>
-                  <a:schemeClr val="bg2"/>
-                </a:solidFill>
-              </a:rPr>
-              <a:t>amantiwari8861@gmail.com</a:t>
-            </a:r>
-          </a:p>
-        </p:txBody>
-      </p:sp>
-      <p:pic>
-        <p:nvPicPr>
-          <p:cNvPr id="5" name="Picture 4" descr="Digital Numbers">
-            <a:extLst>
-              <a:ext uri="{FF2B5EF4-FFF2-40B4-BE49-F238E27FC236}">
-                <a16:creationId xmlns:a16="http://schemas.microsoft.com/office/drawing/2014/main" id="{A21EA617-6D48-425F-97A8-7FEC82C8F401}"/>
-              </a:ext>
-            </a:extLst>
-          </p:cNvPr>
-          <p:cNvPicPr>
-            <a:picLocks noChangeAspect="1"/>
-          </p:cNvPicPr>
-          <p:nvPr/>
-        </p:nvPicPr>
-        <p:blipFill rotWithShape="1">
-          <a:blip r:embed="rId3" cstate="screen">
-            <a:extLst>
-              <a:ext uri="{28A0092B-C50C-407E-A947-70E740481C1C}">
-                <a14:useLocalDpi xmlns:a14="http://schemas.microsoft.com/office/drawing/2010/main"/>
-              </a:ext>
-            </a:extLst>
-          </a:blip>
-          <a:srcRect l="2189" r="9642" b="1"/>
-          <a:stretch/>
-        </p:blipFill>
-        <p:spPr>
-          <a:xfrm>
-            <a:off x="446534" y="723899"/>
-            <a:ext cx="7498616" cy="5676901"/>
-          </a:xfrm>
-          <a:prstGeom prst="rect">
-            <a:avLst/>
-          </a:prstGeom>
-        </p:spPr>
-      </p:pic>
-    </p:spTree>
-    <p:extLst>
-      <p:ext uri="{BB962C8B-B14F-4D97-AF65-F5344CB8AC3E}">
-        <p14:creationId xmlns:p14="http://schemas.microsoft.com/office/powerpoint/2010/main" val="3501347425"/>
-      </p:ext>
-    </p:extLst>
-  </p:cSld>
-  <p:clrMapOvr>
-    <a:masterClrMapping/>
-  </p:clrMapOvr>
-  <p:transition spd="slow">
-    <p:wipe/>
-  </p:transition>
-</p:sld>
-</file>
-
 <file path=ppt/slides/slide2.xml><?xml version="1.0" encoding="utf-8"?>
 <p:sld xmlns:a="http://schemas.openxmlformats.org/drawingml/2006/main" xmlns:r="http://schemas.openxmlformats.org/officeDocument/2006/relationships" xmlns:p="http://schemas.openxmlformats.org/presentationml/2006/main">
   <p:cSld>
@@ -6385,12 +5928,69 @@
           <a:chExt cx="0" cy="0"/>
         </a:xfrm>
       </p:grpSpPr>
+      <p:sp>
+        <p:nvSpPr>
+          <p:cNvPr id="2" name="TextBox 1">
+            <a:extLst>
+              <a:ext uri="{FF2B5EF4-FFF2-40B4-BE49-F238E27FC236}">
+                <a16:creationId xmlns:a16="http://schemas.microsoft.com/office/drawing/2014/main" id="{30C36954-1FAE-23F3-7DE7-06082EE15328}"/>
+              </a:ext>
+            </a:extLst>
+          </p:cNvPr>
+          <p:cNvSpPr txBox="1"/>
+          <p:nvPr/>
+        </p:nvSpPr>
+        <p:spPr>
+          <a:xfrm>
+            <a:off x="434109" y="766619"/>
+            <a:ext cx="11351491" cy="1200329"/>
+          </a:xfrm>
+          <a:prstGeom prst="rect">
+            <a:avLst/>
+          </a:prstGeom>
+          <a:noFill/>
+        </p:spPr>
+        <p:txBody>
+          <a:bodyPr wrap="square" rtlCol="0">
+            <a:spAutoFit/>
+          </a:bodyPr>
+          <a:lstStyle/>
+          <a:p>
+            <a:r>
+              <a:rPr lang="en-US" dirty="0"/>
+              <a:t>Even this gives us the impression that Java is not a language that is going away anytime soon. </a:t>
+            </a:r>
+            <a:r>
+              <a:rPr lang="en-US" b="0" dirty="0">
+                <a:effectLst/>
+              </a:rPr>
+              <a:t>As it is safe, portable,  comes with a higher level of concurrency tools, is maintainable and serves a purpose in various important industries.</a:t>
+            </a:r>
+            <a:endParaRPr lang="en-US" dirty="0"/>
+          </a:p>
+          <a:p>
+            <a:r>
+              <a:rPr lang="en-US" dirty="0"/>
+              <a:t>Moreover, to get a better idea of the popularity of java as a programming language, let us look at the trends of its </a:t>
+            </a:r>
+            <a:r>
+              <a:rPr lang="en-US" dirty="0" err="1"/>
+              <a:t>Tiobe</a:t>
+            </a:r>
+            <a:r>
+              <a:rPr lang="en-US" dirty="0"/>
+              <a:t> index. </a:t>
+            </a:r>
+            <a:endParaRPr lang="en-IN" dirty="0"/>
+          </a:p>
+        </p:txBody>
+      </p:sp>
       <p:pic>
         <p:nvPicPr>
-          <p:cNvPr id="2" name="Picture 1">
+          <p:cNvPr id="4" name="Picture 3">
             <a:extLst>
               <a:ext uri="{FF2B5EF4-FFF2-40B4-BE49-F238E27FC236}">
-                <a16:creationId xmlns:a16="http://schemas.microsoft.com/office/drawing/2014/main" id="{1134E5C3-AD6A-85DE-9E15-FB967C373314}"/>
+                <a16:creationId xmlns:a16="http://schemas.microsoft.com/office/drawing/2014/main" id="{34E29156-B6B7-377E-71F8-C838A4E35679}"/>
               </a:ext>
             </a:extLst>
           </p:cNvPr>
@@ -6407,8 +6007,8 @@
         </p:blipFill>
         <p:spPr>
           <a:xfrm>
-            <a:off x="903576" y="841953"/>
-            <a:ext cx="10882024" cy="5681378"/>
+            <a:off x="1881910" y="1880032"/>
+            <a:ext cx="8686800" cy="4391025"/>
           </a:xfrm>
           <a:prstGeom prst="rect">
             <a:avLst/>
@@ -6418,7 +6018,7 @@
     </p:spTree>
     <p:extLst>
       <p:ext uri="{BB962C8B-B14F-4D97-AF65-F5344CB8AC3E}">
-        <p14:creationId xmlns:p14="http://schemas.microsoft.com/office/powerpoint/2010/main" val="1063921334"/>
+        <p14:creationId xmlns:p14="http://schemas.microsoft.com/office/powerpoint/2010/main" val="1876243276"/>
       </p:ext>
     </p:extLst>
   </p:cSld>
@@ -6453,7 +6053,7 @@
           <p:cNvPr id="2" name="TextBox 1">
             <a:extLst>
               <a:ext uri="{FF2B5EF4-FFF2-40B4-BE49-F238E27FC236}">
-                <a16:creationId xmlns:a16="http://schemas.microsoft.com/office/drawing/2014/main" id="{30C36954-1FAE-23F3-7DE7-06082EE15328}"/>
+                <a16:creationId xmlns:a16="http://schemas.microsoft.com/office/drawing/2014/main" id="{42E19883-9B10-1247-27F9-E729D110F0F7}"/>
               </a:ext>
             </a:extLst>
           </p:cNvPr>
@@ -6462,8 +6062,8 @@
         </p:nvSpPr>
         <p:spPr>
           <a:xfrm>
-            <a:off x="434109" y="766619"/>
-            <a:ext cx="11351491" cy="1200329"/>
+            <a:off x="480291" y="1930401"/>
+            <a:ext cx="11231418" cy="2031325"/>
           </a:xfrm>
           <a:prstGeom prst="rect">
             <a:avLst/>
@@ -6477,68 +6077,48 @@
           <a:lstStyle/>
           <a:p>
             <a:r>
-              <a:rPr lang="en-US" dirty="0"/>
-              <a:t>Even this gives us the impression that Java is not a language that is going away anytime soon. </a:t>
-            </a:r>
-            <a:r>
-              <a:rPr lang="en-US" b="0" dirty="0">
-                <a:effectLst/>
-              </a:rPr>
-              <a:t>As it is safe, portable,  comes with a higher level of concurrency tools, is maintainable and serves a purpose in various important industries.</a:t>
-            </a:r>
-            <a:endParaRPr lang="en-US" dirty="0"/>
-          </a:p>
-          <a:p>
-            <a:r>
-              <a:rPr lang="en-US" dirty="0"/>
-              <a:t>Moreover, to get a better idea of the popularity of java as a programming language, let us look at the trends of its </a:t>
-            </a:r>
-            <a:r>
               <a:rPr lang="en-US" dirty="0" err="1"/>
               <a:t>Tiobe</a:t>
             </a:r>
             <a:r>
               <a:rPr lang="en-US" dirty="0"/>
-              <a:t> index. </a:t>
-            </a:r>
+              <a:t> index is a measure of the popularity of the programming language that is measured after considering factors like market share, number of job postings, open-source projects, etc.</a:t>
+            </a:r>
+          </a:p>
+          <a:p>
+            <a:endParaRPr lang="en-US" dirty="0"/>
+          </a:p>
+          <a:p>
+            <a:r>
+              <a:rPr lang="en-US" dirty="0"/>
+              <a:t>Some might still say that Java is losing its popularity, but if you compare this with the stats of trending programming languages like Python and </a:t>
+            </a:r>
+            <a:r>
+              <a:rPr lang="en-US" dirty="0" err="1"/>
+              <a:t>Javascript</a:t>
+            </a:r>
+            <a:r>
+              <a:rPr lang="en-US" dirty="0"/>
+              <a:t> you will see that in their period of existence they have achieved a maximum </a:t>
+            </a:r>
+            <a:r>
+              <a:rPr lang="en-US" dirty="0" err="1"/>
+              <a:t>Tiobe</a:t>
+            </a:r>
+            <a:r>
+              <a:rPr lang="en-US" dirty="0"/>
+              <a:t> index of 10 and 4 respectively, which is way less than Java’s current ranking.</a:t>
+            </a:r>
+          </a:p>
+          <a:p>
             <a:endParaRPr lang="en-IN" dirty="0"/>
           </a:p>
         </p:txBody>
       </p:sp>
-      <p:pic>
-        <p:nvPicPr>
-          <p:cNvPr id="4" name="Picture 3">
-            <a:extLst>
-              <a:ext uri="{FF2B5EF4-FFF2-40B4-BE49-F238E27FC236}">
-                <a16:creationId xmlns:a16="http://schemas.microsoft.com/office/drawing/2014/main" id="{34E29156-B6B7-377E-71F8-C838A4E35679}"/>
-              </a:ext>
-            </a:extLst>
-          </p:cNvPr>
-          <p:cNvPicPr>
-            <a:picLocks noChangeAspect="1"/>
-          </p:cNvPicPr>
-          <p:nvPr/>
-        </p:nvPicPr>
-        <p:blipFill>
-          <a:blip r:embed="rId2"/>
-          <a:stretch>
-            <a:fillRect/>
-          </a:stretch>
-        </p:blipFill>
-        <p:spPr>
-          <a:xfrm>
-            <a:off x="1881910" y="1880032"/>
-            <a:ext cx="8686800" cy="4391025"/>
-          </a:xfrm>
-          <a:prstGeom prst="rect">
-            <a:avLst/>
-          </a:prstGeom>
-        </p:spPr>
-      </p:pic>
     </p:spTree>
     <p:extLst>
       <p:ext uri="{BB962C8B-B14F-4D97-AF65-F5344CB8AC3E}">
-        <p14:creationId xmlns:p14="http://schemas.microsoft.com/office/powerpoint/2010/main" val="1876243276"/>
+        <p14:creationId xmlns:p14="http://schemas.microsoft.com/office/powerpoint/2010/main" val="2108975506"/>
       </p:ext>
     </p:extLst>
   </p:cSld>
@@ -6554,6 +6134,14 @@
 <file path=ppt/slides/slide9.xml><?xml version="1.0" encoding="utf-8"?>
 <p:sld xmlns:a="http://schemas.openxmlformats.org/drawingml/2006/main" xmlns:r="http://schemas.openxmlformats.org/officeDocument/2006/relationships" xmlns:p="http://schemas.openxmlformats.org/presentationml/2006/main">
   <p:cSld>
+    <p:bg>
+      <p:bgPr>
+        <a:solidFill>
+          <a:schemeClr val="bg1"/>
+        </a:solidFill>
+        <a:effectLst/>
+      </p:bgPr>
+    </p:bg>
     <p:spTree>
       <p:nvGrpSpPr>
         <p:cNvPr id="1" name=""/>
@@ -6568,77 +6156,425 @@
           <a:chExt cx="0" cy="0"/>
         </a:xfrm>
       </p:grpSpPr>
-      <p:sp>
-        <p:nvSpPr>
-          <p:cNvPr id="2" name="TextBox 1">
+      <p:sp useBgFill="1">
+        <p:nvSpPr>
+          <p:cNvPr id="10" name="Rectangle 9">
             <a:extLst>
               <a:ext uri="{FF2B5EF4-FFF2-40B4-BE49-F238E27FC236}">
-                <a16:creationId xmlns:a16="http://schemas.microsoft.com/office/drawing/2014/main" id="{42E19883-9B10-1247-27F9-E729D110F0F7}"/>
+                <a16:creationId xmlns:a16="http://schemas.microsoft.com/office/drawing/2014/main" id="{379F11E2-8BA5-4C5C-AE7C-361E5EA011FF}"/>
+              </a:ext>
+              <a:ext uri="{C183D7F6-B498-43B3-948B-1728B52AA6E4}">
+                <adec:decorative xmlns:adec="http://schemas.microsoft.com/office/drawing/2017/decorative" val="1"/>
               </a:ext>
             </a:extLst>
           </p:cNvPr>
-          <p:cNvSpPr txBox="1"/>
-          <p:nvPr/>
-        </p:nvSpPr>
-        <p:spPr>
-          <a:xfrm>
-            <a:off x="480291" y="1930401"/>
-            <a:ext cx="11231418" cy="2031325"/>
+          <p:cNvSpPr>
+            <a:spLocks noGrp="1" noRot="1" noChangeAspect="1" noMove="1" noResize="1" noEditPoints="1" noAdjustHandles="1" noChangeArrowheads="1" noChangeShapeType="1" noTextEdit="1"/>
+          </p:cNvSpPr>
+          <p:nvPr>
+            <p:extLst>
+              <p:ext uri="{386F3935-93C4-4BCD-93E2-E3B085C9AB24}">
+                <p16:designElem xmlns:p16="http://schemas.microsoft.com/office/powerpoint/2015/main" val="1"/>
+              </p:ext>
+            </p:extLst>
+          </p:nvPr>
+        </p:nvSpPr>
+        <p:spPr>
+          <a:xfrm>
+            <a:off x="0" y="1"/>
+            <a:ext cx="12191999" cy="6858000"/>
           </a:xfrm>
           <a:prstGeom prst="rect">
             <a:avLst/>
           </a:prstGeom>
-          <a:noFill/>
-        </p:spPr>
-        <p:txBody>
-          <a:bodyPr wrap="square" rtlCol="0">
-            <a:spAutoFit/>
+          <a:ln>
+            <a:noFill/>
+          </a:ln>
+        </p:spPr>
+        <p:style>
+          <a:lnRef idx="2">
+            <a:schemeClr val="accent1">
+              <a:shade val="50000"/>
+            </a:schemeClr>
+          </a:lnRef>
+          <a:fillRef idx="1">
+            <a:schemeClr val="accent1"/>
+          </a:fillRef>
+          <a:effectRef idx="0">
+            <a:schemeClr val="accent1"/>
+          </a:effectRef>
+          <a:fontRef idx="minor">
+            <a:schemeClr val="lt1"/>
+          </a:fontRef>
+        </p:style>
+        <p:txBody>
+          <a:bodyPr rtlCol="0" anchor="ctr"/>
+          <a:lstStyle/>
+          <a:p>
+            <a:pPr algn="ctr"/>
+            <a:endParaRPr lang="en-US" dirty="0"/>
+          </a:p>
+        </p:txBody>
+      </p:sp>
+      <p:sp>
+        <p:nvSpPr>
+          <p:cNvPr id="12" name="Rectangle 11">
+            <a:extLst>
+              <a:ext uri="{FF2B5EF4-FFF2-40B4-BE49-F238E27FC236}">
+                <a16:creationId xmlns:a16="http://schemas.microsoft.com/office/drawing/2014/main" id="{7C00E1DA-EC7C-40FC-95E3-11FDCD2E4291}"/>
+              </a:ext>
+              <a:ext uri="{C183D7F6-B498-43B3-948B-1728B52AA6E4}">
+                <adec:decorative xmlns:adec="http://schemas.microsoft.com/office/drawing/2017/decorative" val="1"/>
+              </a:ext>
+            </a:extLst>
+          </p:cNvPr>
+          <p:cNvSpPr>
+            <a:spLocks noGrp="1" noRot="1" noChangeAspect="1" noMove="1" noResize="1" noEditPoints="1" noAdjustHandles="1" noChangeArrowheads="1" noChangeShapeType="1" noTextEdit="1"/>
+          </p:cNvSpPr>
+          <p:nvPr>
+            <p:extLst>
+              <p:ext uri="{386F3935-93C4-4BCD-93E2-E3B085C9AB24}">
+                <p16:designElem xmlns:p16="http://schemas.microsoft.com/office/powerpoint/2015/main" val="1"/>
+              </p:ext>
+            </p:extLst>
+          </p:nvPr>
+        </p:nvSpPr>
+        <p:spPr>
+          <a:xfrm>
+            <a:off x="8042147" y="723899"/>
+            <a:ext cx="3703320" cy="5666666"/>
+          </a:xfrm>
+          <a:prstGeom prst="rect">
+            <a:avLst/>
+          </a:prstGeom>
+          <a:solidFill>
+            <a:schemeClr val="accent1"/>
+          </a:solidFill>
+          <a:ln>
+            <a:noFill/>
+          </a:ln>
+          <a:effectLst/>
+        </p:spPr>
+        <p:style>
+          <a:lnRef idx="1">
+            <a:schemeClr val="accent1"/>
+          </a:lnRef>
+          <a:fillRef idx="3">
+            <a:schemeClr val="accent1"/>
+          </a:fillRef>
+          <a:effectRef idx="2">
+            <a:schemeClr val="accent1"/>
+          </a:effectRef>
+          <a:fontRef idx="minor">
+            <a:schemeClr val="lt1"/>
+          </a:fontRef>
+        </p:style>
+      </p:sp>
+      <p:grpSp>
+        <p:nvGrpSpPr>
+          <p:cNvPr id="14" name="Group 13">
+            <a:extLst>
+              <a:ext uri="{FF2B5EF4-FFF2-40B4-BE49-F238E27FC236}">
+                <a16:creationId xmlns:a16="http://schemas.microsoft.com/office/drawing/2014/main" id="{9A421166-2996-41A7-B094-AE5316F347DD}"/>
+              </a:ext>
+              <a:ext uri="{C183D7F6-B498-43B3-948B-1728B52AA6E4}">
+                <adec:decorative xmlns:adec="http://schemas.microsoft.com/office/drawing/2017/decorative" val="1"/>
+              </a:ext>
+            </a:extLst>
+          </p:cNvPr>
+          <p:cNvGrpSpPr>
+            <a:grpSpLocks noGrp="1" noUngrp="1" noRot="1" noChangeAspect="1" noMove="1" noResize="1"/>
+          </p:cNvGrpSpPr>
+          <p:nvPr>
+            <p:extLst>
+              <p:ext uri="{386F3935-93C4-4BCD-93E2-E3B085C9AB24}">
+                <p16:designElem xmlns:p16="http://schemas.microsoft.com/office/powerpoint/2015/main" val="1"/>
+              </p:ext>
+            </p:extLst>
+          </p:nvPr>
+        </p:nvGrpSpPr>
+        <p:grpSpPr>
+          <a:xfrm>
+            <a:off x="446534" y="453643"/>
+            <a:ext cx="11298933" cy="98554"/>
+            <a:chOff x="446534" y="453643"/>
+            <a:chExt cx="11298933" cy="98554"/>
+          </a:xfrm>
+        </p:grpSpPr>
+        <p:sp>
+          <p:nvSpPr>
+            <p:cNvPr id="15" name="Rectangle 14">
+              <a:extLst>
+                <a:ext uri="{FF2B5EF4-FFF2-40B4-BE49-F238E27FC236}">
+                  <a16:creationId xmlns:a16="http://schemas.microsoft.com/office/drawing/2014/main" id="{FDBB1B92-A3EB-43E4-8FAB-D20E8ED14CEF}"/>
+                </a:ext>
+                <a:ext uri="{C183D7F6-B498-43B3-948B-1728B52AA6E4}">
+                  <adec:decorative xmlns:adec="http://schemas.microsoft.com/office/drawing/2017/decorative" val="1"/>
+                </a:ext>
+              </a:extLst>
+            </p:cNvPr>
+            <p:cNvSpPr/>
+            <p:nvPr>
+              <p:extLst>
+                <p:ext uri="{386F3935-93C4-4BCD-93E2-E3B085C9AB24}">
+                  <p16:designElem xmlns:p16="http://schemas.microsoft.com/office/powerpoint/2015/main" val="1"/>
+                </p:ext>
+              </p:extLst>
+            </p:nvPr>
+          </p:nvSpPr>
+          <p:spPr>
+            <a:xfrm>
+              <a:off x="446534" y="457200"/>
+              <a:ext cx="3703320" cy="94997"/>
+            </a:xfrm>
+            <a:prstGeom prst="rect">
+              <a:avLst/>
+            </a:prstGeom>
+            <a:solidFill>
+              <a:schemeClr val="accent1"/>
+            </a:solidFill>
+            <a:ln>
+              <a:noFill/>
+            </a:ln>
+            <a:effectLst/>
+          </p:spPr>
+          <p:style>
+            <a:lnRef idx="1">
+              <a:schemeClr val="accent1"/>
+            </a:lnRef>
+            <a:fillRef idx="3">
+              <a:schemeClr val="accent1"/>
+            </a:fillRef>
+            <a:effectRef idx="2">
+              <a:schemeClr val="accent1"/>
+            </a:effectRef>
+            <a:fontRef idx="minor">
+              <a:schemeClr val="lt1"/>
+            </a:fontRef>
+          </p:style>
+        </p:sp>
+        <p:sp>
+          <p:nvSpPr>
+            <p:cNvPr id="16" name="Rectangle 15">
+              <a:extLst>
+                <a:ext uri="{FF2B5EF4-FFF2-40B4-BE49-F238E27FC236}">
+                  <a16:creationId xmlns:a16="http://schemas.microsoft.com/office/drawing/2014/main" id="{3F3972F4-FE7E-48EA-AAD8-9BE5750A6672}"/>
+                </a:ext>
+                <a:ext uri="{C183D7F6-B498-43B3-948B-1728B52AA6E4}">
+                  <adec:decorative xmlns:adec="http://schemas.microsoft.com/office/drawing/2017/decorative" val="1"/>
+                </a:ext>
+              </a:extLst>
+            </p:cNvPr>
+            <p:cNvSpPr/>
+            <p:nvPr>
+              <p:extLst>
+                <p:ext uri="{386F3935-93C4-4BCD-93E2-E3B085C9AB24}">
+                  <p16:designElem xmlns:p16="http://schemas.microsoft.com/office/powerpoint/2015/main" val="1"/>
+                </p:ext>
+              </p:extLst>
+            </p:nvPr>
+          </p:nvSpPr>
+          <p:spPr>
+            <a:xfrm>
+              <a:off x="8042147" y="453643"/>
+              <a:ext cx="3703320" cy="98554"/>
+            </a:xfrm>
+            <a:prstGeom prst="rect">
+              <a:avLst/>
+            </a:prstGeom>
+            <a:solidFill>
+              <a:schemeClr val="accent4"/>
+            </a:solidFill>
+            <a:ln>
+              <a:noFill/>
+            </a:ln>
+            <a:effectLst/>
+          </p:spPr>
+          <p:style>
+            <a:lnRef idx="1">
+              <a:schemeClr val="accent1"/>
+            </a:lnRef>
+            <a:fillRef idx="3">
+              <a:schemeClr val="accent1"/>
+            </a:fillRef>
+            <a:effectRef idx="2">
+              <a:schemeClr val="accent1"/>
+            </a:effectRef>
+            <a:fontRef idx="minor">
+              <a:schemeClr val="lt1"/>
+            </a:fontRef>
+          </p:style>
+        </p:sp>
+        <p:sp>
+          <p:nvSpPr>
+            <p:cNvPr id="17" name="Rectangle 16">
+              <a:extLst>
+                <a:ext uri="{FF2B5EF4-FFF2-40B4-BE49-F238E27FC236}">
+                  <a16:creationId xmlns:a16="http://schemas.microsoft.com/office/drawing/2014/main" id="{221614E5-870B-4D5E-A43B-8FF7E5323484}"/>
+                </a:ext>
+                <a:ext uri="{C183D7F6-B498-43B3-948B-1728B52AA6E4}">
+                  <adec:decorative xmlns:adec="http://schemas.microsoft.com/office/drawing/2017/decorative" val="1"/>
+                </a:ext>
+              </a:extLst>
+            </p:cNvPr>
+            <p:cNvSpPr/>
+            <p:nvPr>
+              <p:extLst>
+                <p:ext uri="{386F3935-93C4-4BCD-93E2-E3B085C9AB24}">
+                  <p16:designElem xmlns:p16="http://schemas.microsoft.com/office/powerpoint/2015/main" val="1"/>
+                </p:ext>
+              </p:extLst>
+            </p:nvPr>
+          </p:nvSpPr>
+          <p:spPr>
+            <a:xfrm>
+              <a:off x="4241830" y="457200"/>
+              <a:ext cx="3703320" cy="91440"/>
+            </a:xfrm>
+            <a:prstGeom prst="rect">
+              <a:avLst/>
+            </a:prstGeom>
+            <a:solidFill>
+              <a:schemeClr val="accent2"/>
+            </a:solidFill>
+            <a:ln>
+              <a:noFill/>
+            </a:ln>
+            <a:effectLst/>
+          </p:spPr>
+          <p:style>
+            <a:lnRef idx="1">
+              <a:schemeClr val="accent1"/>
+            </a:lnRef>
+            <a:fillRef idx="3">
+              <a:schemeClr val="accent1"/>
+            </a:fillRef>
+            <a:effectRef idx="2">
+              <a:schemeClr val="accent1"/>
+            </a:effectRef>
+            <a:fontRef idx="minor">
+              <a:schemeClr val="lt1"/>
+            </a:fontRef>
+          </p:style>
+        </p:sp>
+      </p:grpSp>
+      <p:sp>
+        <p:nvSpPr>
+          <p:cNvPr id="2" name="Title 1">
+            <a:extLst>
+              <a:ext uri="{FF2B5EF4-FFF2-40B4-BE49-F238E27FC236}">
+                <a16:creationId xmlns:a16="http://schemas.microsoft.com/office/drawing/2014/main" id="{0F87E73C-2B1A-4602-BFBE-CFE1E55D9B38}"/>
+              </a:ext>
+            </a:extLst>
+          </p:cNvPr>
+          <p:cNvSpPr>
+            <a:spLocks noGrp="1"/>
+          </p:cNvSpPr>
+          <p:nvPr>
+            <p:ph type="ctrTitle"/>
+          </p:nvPr>
+        </p:nvSpPr>
+        <p:spPr>
+          <a:xfrm>
+            <a:off x="8296275" y="1419226"/>
+            <a:ext cx="3081576" cy="1746762"/>
+          </a:xfrm>
+        </p:spPr>
+        <p:txBody>
+          <a:bodyPr>
+            <a:normAutofit/>
           </a:bodyPr>
           <a:lstStyle/>
           <a:p>
             <a:r>
-              <a:rPr lang="en-US" dirty="0" err="1"/>
-              <a:t>Tiobe</a:t>
-            </a:r>
-            <a:r>
-              <a:rPr lang="en-US" dirty="0"/>
-              <a:t> index is a measure of the popularity of the programming language that is measured after considering factors like market share, number of job postings, open-source projects, etc.</a:t>
-            </a:r>
-          </a:p>
-          <a:p>
-            <a:endParaRPr lang="en-US" dirty="0"/>
-          </a:p>
-          <a:p>
-            <a:r>
-              <a:rPr lang="en-US" dirty="0"/>
-              <a:t>Some might still say that Java is losing its popularity, but if you compare this with the stats of trending programming languages like Python and </a:t>
-            </a:r>
-            <a:r>
-              <a:rPr lang="en-US" dirty="0" err="1"/>
-              <a:t>Javascript</a:t>
-            </a:r>
-            <a:r>
-              <a:rPr lang="en-US" dirty="0"/>
-              <a:t> you will see that in their period of existence they have achieved a maximum </a:t>
-            </a:r>
-            <a:r>
-              <a:rPr lang="en-US" dirty="0" err="1"/>
-              <a:t>Tiobe</a:t>
-            </a:r>
-            <a:r>
-              <a:rPr lang="en-US" dirty="0"/>
-              <a:t> index of 10 and 4 respectively, which is way less than Java’s current ranking.</a:t>
-            </a:r>
-          </a:p>
-          <a:p>
-            <a:endParaRPr lang="en-IN" dirty="0"/>
-          </a:p>
-        </p:txBody>
-      </p:sp>
+              <a:rPr lang="en-US" dirty="0">
+                <a:solidFill>
+                  <a:srgbClr val="FFFFFF"/>
+                </a:solidFill>
+              </a:rPr>
+              <a:t>Thank You</a:t>
+            </a:r>
+          </a:p>
+        </p:txBody>
+      </p:sp>
+      <p:sp>
+        <p:nvSpPr>
+          <p:cNvPr id="3" name="Subtitle 2">
+            <a:extLst>
+              <a:ext uri="{FF2B5EF4-FFF2-40B4-BE49-F238E27FC236}">
+                <a16:creationId xmlns:a16="http://schemas.microsoft.com/office/drawing/2014/main" id="{A9CB511D-EA45-4336-847C-1252667143B5}"/>
+              </a:ext>
+            </a:extLst>
+          </p:cNvPr>
+          <p:cNvSpPr>
+            <a:spLocks noGrp="1"/>
+          </p:cNvSpPr>
+          <p:nvPr>
+            <p:ph type="subTitle" idx="1"/>
+          </p:nvPr>
+        </p:nvSpPr>
+        <p:spPr>
+          <a:xfrm>
+            <a:off x="8174182" y="3505095"/>
+            <a:ext cx="3203669" cy="2629006"/>
+          </a:xfrm>
+        </p:spPr>
+        <p:txBody>
+          <a:bodyPr>
+            <a:normAutofit/>
+          </a:bodyPr>
+          <a:lstStyle/>
+          <a:p>
+            <a:r>
+              <a:rPr lang="en-US" dirty="0">
+                <a:solidFill>
+                  <a:schemeClr val="bg2"/>
+                </a:solidFill>
+              </a:rPr>
+              <a:t>amantiwari8861@gmail.com</a:t>
+            </a:r>
+          </a:p>
+        </p:txBody>
+      </p:sp>
+      <p:pic>
+        <p:nvPicPr>
+          <p:cNvPr id="5" name="Picture 4" descr="Digital Numbers">
+            <a:extLst>
+              <a:ext uri="{FF2B5EF4-FFF2-40B4-BE49-F238E27FC236}">
+                <a16:creationId xmlns:a16="http://schemas.microsoft.com/office/drawing/2014/main" id="{A21EA617-6D48-425F-97A8-7FEC82C8F401}"/>
+              </a:ext>
+            </a:extLst>
+          </p:cNvPr>
+          <p:cNvPicPr>
+            <a:picLocks noChangeAspect="1"/>
+          </p:cNvPicPr>
+          <p:nvPr/>
+        </p:nvPicPr>
+        <p:blipFill rotWithShape="1">
+          <a:blip r:embed="rId3" cstate="screen">
+            <a:extLst>
+              <a:ext uri="{28A0092B-C50C-407E-A947-70E740481C1C}">
+                <a14:useLocalDpi xmlns:a14="http://schemas.microsoft.com/office/drawing/2010/main"/>
+              </a:ext>
+            </a:extLst>
+          </a:blip>
+          <a:srcRect l="2189" r="9642" b="1"/>
+          <a:stretch/>
+        </p:blipFill>
+        <p:spPr>
+          <a:xfrm>
+            <a:off x="446534" y="723899"/>
+            <a:ext cx="7498616" cy="5676901"/>
+          </a:xfrm>
+          <a:prstGeom prst="rect">
+            <a:avLst/>
+          </a:prstGeom>
+        </p:spPr>
+      </p:pic>
     </p:spTree>
     <p:extLst>
       <p:ext uri="{BB962C8B-B14F-4D97-AF65-F5344CB8AC3E}">
-        <p14:creationId xmlns:p14="http://schemas.microsoft.com/office/powerpoint/2010/main" val="2108975506"/>
+        <p14:creationId xmlns:p14="http://schemas.microsoft.com/office/powerpoint/2010/main" val="3501347425"/>
       </p:ext>
     </p:extLst>
   </p:cSld>
